--- a/presentationPPTs/presentation 2.pptx
+++ b/presentationPPTs/presentation 2.pptx
@@ -12301,7 +12301,6 @@
               <a:rPr lang="en-US" sz="4800" b="1" dirty="0" smtClean="0"/>
               <a:t>AN </a:t>
             </a:r>
-            <a:endParaRPr lang="en-US" sz="4800" b="1" dirty="0" smtClean="0"/>
           </a:p>
           <a:p>
             <a:pPr algn="ctr"/>
@@ -12641,20 +12640,7 @@
                   </a:outerShdw>
                 </a:effectLst>
               </a:rPr>
-              <a:t> </a:t>
-            </a:r>
-            <a:r>
-              <a:rPr lang="en-GB" sz="4400" b="1" dirty="0" smtClean="0">
-                <a:ln w="0"/>
-                <a:effectLst>
-                  <a:outerShdw blurRad="38100" dist="19050" dir="2700000" algn="tl" rotWithShape="0">
-                    <a:schemeClr val="dk1">
-                      <a:alpha val="40000"/>
-                    </a:schemeClr>
-                  </a:outerShdw>
-                </a:effectLst>
-              </a:rPr>
-              <a:t>? </a:t>
+              <a:t> ? </a:t>
             </a:r>
             <a:endParaRPr lang="en-GB" sz="4400" b="1" cap="none" spc="0" dirty="0">
               <a:ln w="0"/>
